--- a/misc/presentations/Fluxx_Second_Presentation.pptx
+++ b/misc/presentations/Fluxx_Second_Presentation.pptx
@@ -517,12 +517,8 @@
           <a:lstStyle/>
           <a:p>
             <a:r>
-              <a:rPr lang="de-DE" dirty="0"/>
-              <a:t>Game design </a:t>
-            </a:r>
-            <a:r>
-              <a:rPr lang="de-DE" dirty="0" err="1"/>
-              <a:t>decisions</a:t>
+              <a:rPr lang="de-DE" dirty="0" err="1"/>
+              <a:t>Jolly</a:t>
             </a:r>
             <a:r>
               <a:rPr lang="de-DE" dirty="0"/>
@@ -530,39 +526,55 @@
             </a:r>
             <a:r>
               <a:rPr lang="de-DE" dirty="0" err="1"/>
-              <a:t>defined</a:t>
-            </a:r>
-            <a:r>
-              <a:rPr lang="de-DE" dirty="0"/>
-              <a:t> </a:t>
-            </a:r>
-            <a:r>
-              <a:rPr lang="de-DE" dirty="0" err="1"/>
-              <a:t>what</a:t>
-            </a:r>
-            <a:r>
-              <a:rPr lang="de-DE" dirty="0"/>
-              <a:t> </a:t>
-            </a:r>
-            <a:r>
-              <a:rPr lang="de-DE" dirty="0" err="1"/>
-              <a:t>is</a:t>
-            </a:r>
-            <a:r>
-              <a:rPr lang="de-DE" dirty="0"/>
-              <a:t> server-</a:t>
-            </a:r>
-            <a:r>
-              <a:rPr lang="de-DE" dirty="0" err="1"/>
-              <a:t>side</a:t>
-            </a:r>
-            <a:r>
-              <a:rPr lang="de-DE" dirty="0"/>
-              <a:t>  (</a:t>
-            </a:r>
-            <a:r>
-              <a:rPr lang="de-DE" dirty="0" err="1"/>
-              <a:t>computations:turns</a:t>
+              <a:t>specific</a:t>
+            </a:r>
+            <a:r>
+              <a:rPr lang="de-DE" dirty="0"/>
+              <a:t> </a:t>
+            </a:r>
+            <a:r>
+              <a:rPr lang="de-DE" dirty="0" err="1"/>
+              <a:t>task</a:t>
+            </a:r>
+            <a:r>
+              <a:rPr lang="de-DE" dirty="0"/>
+              <a:t> such </a:t>
+            </a:r>
+            <a:r>
+              <a:rPr lang="de-DE" dirty="0" err="1"/>
+              <a:t>as</a:t>
+            </a:r>
+            <a:r>
+              <a:rPr lang="de-DE" dirty="0"/>
+              <a:t> </a:t>
+            </a:r>
+            <a:r>
+              <a:rPr lang="de-DE" dirty="0" err="1"/>
+              <a:t>support</a:t>
+            </a:r>
+            <a:r>
+              <a:rPr lang="de-DE" dirty="0"/>
+              <a:t> </a:t>
+            </a:r>
+            <a:r>
+              <a:rPr lang="de-DE" dirty="0" err="1"/>
+              <a:t>with</a:t>
+            </a:r>
+            <a:r>
+              <a:rPr lang="de-DE" dirty="0"/>
+              <a:t> </a:t>
+            </a:r>
+            <a:r>
+              <a:rPr lang="de-DE" dirty="0" err="1"/>
+              <a:t>database</a:t>
+            </a:r>
+            <a:r>
+              <a:rPr lang="de-DE" dirty="0"/>
+              <a:t> </a:t>
+            </a:r>
+            <a:r>
+              <a:rPr lang="de-DE" dirty="0" err="1"/>
+              <a:t>setup</a:t>
             </a:r>
             <a:r>
               <a:rPr lang="de-DE" dirty="0"/>
@@ -570,7 +582,7 @@
             </a:r>
             <a:r>
               <a:rPr lang="de-DE" dirty="0" err="1"/>
-              <a:t>draw</a:t>
+              <a:t>json</a:t>
             </a:r>
             <a:r>
               <a:rPr lang="de-DE" dirty="0"/>
@@ -578,91 +590,11 @@
             </a:r>
             <a:r>
               <a:rPr lang="de-DE" dirty="0" err="1"/>
-              <a:t>play</a:t>
-            </a:r>
-            <a:r>
-              <a:rPr lang="de-DE" dirty="0"/>
-              <a:t>, </a:t>
-            </a:r>
-            <a:r>
-              <a:rPr lang="de-DE" dirty="0" err="1"/>
-              <a:t>general</a:t>
-            </a:r>
-            <a:r>
-              <a:rPr lang="de-DE" dirty="0"/>
-              <a:t> </a:t>
-            </a:r>
-            <a:r>
-              <a:rPr lang="de-DE" dirty="0" err="1"/>
-              <a:t>game</a:t>
-            </a:r>
-            <a:r>
-              <a:rPr lang="de-DE" dirty="0"/>
-              <a:t> </a:t>
-            </a:r>
-            <a:r>
-              <a:rPr lang="de-DE" dirty="0" err="1"/>
-              <a:t>state</a:t>
-            </a:r>
-            <a:r>
-              <a:rPr lang="de-DE" dirty="0"/>
-              <a:t>) </a:t>
-            </a:r>
-            <a:r>
-              <a:rPr lang="de-DE" dirty="0" err="1"/>
-              <a:t>and</a:t>
-            </a:r>
-            <a:r>
-              <a:rPr lang="de-DE" dirty="0"/>
-              <a:t> </a:t>
-            </a:r>
-            <a:r>
-              <a:rPr lang="de-DE" dirty="0" err="1"/>
-              <a:t>what</a:t>
-            </a:r>
-            <a:r>
-              <a:rPr lang="de-DE" dirty="0"/>
-              <a:t> </a:t>
-            </a:r>
-            <a:r>
-              <a:rPr lang="de-DE" dirty="0" err="1"/>
-              <a:t>is</a:t>
-            </a:r>
-            <a:r>
-              <a:rPr lang="de-DE" dirty="0"/>
-              <a:t> client-</a:t>
-            </a:r>
-            <a:r>
-              <a:rPr lang="de-DE" dirty="0" err="1"/>
-              <a:t>side</a:t>
-            </a:r>
-            <a:r>
-              <a:rPr lang="de-DE" dirty="0"/>
-              <a:t> (</a:t>
-            </a:r>
-            <a:r>
-              <a:rPr lang="de-DE" dirty="0" err="1"/>
-              <a:t>rendering</a:t>
-            </a:r>
-            <a:r>
-              <a:rPr lang="de-DE" dirty="0"/>
-              <a:t>: </a:t>
-            </a:r>
-            <a:r>
-              <a:rPr lang="de-DE" dirty="0" err="1"/>
-              <a:t>discard</a:t>
-            </a:r>
-            <a:r>
-              <a:rPr lang="de-DE" dirty="0"/>
-              <a:t> </a:t>
-            </a:r>
-            <a:r>
-              <a:rPr lang="de-DE" dirty="0" err="1"/>
-              <a:t>pile</a:t>
-            </a:r>
-            <a:r>
-              <a:rPr lang="de-DE" dirty="0"/>
-              <a:t>)</a:t>
+              <a:t>models</a:t>
+            </a:r>
+            <a:r>
+              <a:rPr lang="de-DE" dirty="0"/>
+              <a:t>…</a:t>
             </a:r>
           </a:p>
         </p:txBody>
@@ -684,7 +616,7 @@
           <a:p>
             <a:fld id="{A13CCBCD-00E9-FA4F-A306-637603F51D5E}" type="slidenum">
               <a:rPr lang="de-DE" smtClean="0"/>
-              <a:t>3</a:t>
+              <a:t>2</a:t>
             </a:fld>
             <a:endParaRPr lang="de-DE"/>
           </a:p>
@@ -693,7 +625,7 @@
     </p:spTree>
     <p:extLst>
       <p:ext uri="{BB962C8B-B14F-4D97-AF65-F5344CB8AC3E}">
-        <p14:creationId xmlns:p14="http://schemas.microsoft.com/office/powerpoint/2010/main" val="4099236888"/>
+        <p14:creationId xmlns:p14="http://schemas.microsoft.com/office/powerpoint/2010/main" val="3152963005"/>
       </p:ext>
     </p:extLst>
   </p:cSld>
@@ -748,6 +680,237 @@
           <a:lstStyle/>
           <a:p>
             <a:r>
+              <a:rPr lang="de-DE" dirty="0"/>
+              <a:t>Game design </a:t>
+            </a:r>
+            <a:r>
+              <a:rPr lang="de-DE" dirty="0" err="1"/>
+              <a:t>decisions</a:t>
+            </a:r>
+            <a:r>
+              <a:rPr lang="de-DE" dirty="0"/>
+              <a:t>: </a:t>
+            </a:r>
+            <a:r>
+              <a:rPr lang="de-DE" dirty="0" err="1"/>
+              <a:t>defined</a:t>
+            </a:r>
+            <a:r>
+              <a:rPr lang="de-DE" dirty="0"/>
+              <a:t> </a:t>
+            </a:r>
+            <a:r>
+              <a:rPr lang="de-DE" dirty="0" err="1"/>
+              <a:t>what</a:t>
+            </a:r>
+            <a:r>
+              <a:rPr lang="de-DE" dirty="0"/>
+              <a:t> </a:t>
+            </a:r>
+            <a:r>
+              <a:rPr lang="de-DE" dirty="0" err="1"/>
+              <a:t>is</a:t>
+            </a:r>
+            <a:r>
+              <a:rPr lang="de-DE" dirty="0"/>
+              <a:t> server-</a:t>
+            </a:r>
+            <a:r>
+              <a:rPr lang="de-DE" dirty="0" err="1"/>
+              <a:t>side</a:t>
+            </a:r>
+            <a:r>
+              <a:rPr lang="de-DE" dirty="0"/>
+              <a:t>  (</a:t>
+            </a:r>
+            <a:r>
+              <a:rPr lang="de-DE" dirty="0" err="1"/>
+              <a:t>computations:turns</a:t>
+            </a:r>
+            <a:r>
+              <a:rPr lang="de-DE" dirty="0"/>
+              <a:t>, </a:t>
+            </a:r>
+            <a:r>
+              <a:rPr lang="de-DE" dirty="0" err="1"/>
+              <a:t>draw</a:t>
+            </a:r>
+            <a:r>
+              <a:rPr lang="de-DE" dirty="0"/>
+              <a:t>, </a:t>
+            </a:r>
+            <a:r>
+              <a:rPr lang="de-DE" dirty="0" err="1"/>
+              <a:t>play</a:t>
+            </a:r>
+            <a:r>
+              <a:rPr lang="de-DE" dirty="0"/>
+              <a:t>, </a:t>
+            </a:r>
+            <a:r>
+              <a:rPr lang="de-DE" dirty="0" err="1"/>
+              <a:t>general</a:t>
+            </a:r>
+            <a:r>
+              <a:rPr lang="de-DE" dirty="0"/>
+              <a:t> </a:t>
+            </a:r>
+            <a:r>
+              <a:rPr lang="de-DE" dirty="0" err="1"/>
+              <a:t>game</a:t>
+            </a:r>
+            <a:r>
+              <a:rPr lang="de-DE" dirty="0"/>
+              <a:t> </a:t>
+            </a:r>
+            <a:r>
+              <a:rPr lang="de-DE" dirty="0" err="1"/>
+              <a:t>state</a:t>
+            </a:r>
+            <a:r>
+              <a:rPr lang="de-DE" dirty="0"/>
+              <a:t>) </a:t>
+            </a:r>
+            <a:r>
+              <a:rPr lang="de-DE" dirty="0" err="1"/>
+              <a:t>and</a:t>
+            </a:r>
+            <a:r>
+              <a:rPr lang="de-DE" dirty="0"/>
+              <a:t> </a:t>
+            </a:r>
+            <a:r>
+              <a:rPr lang="de-DE" dirty="0" err="1"/>
+              <a:t>what</a:t>
+            </a:r>
+            <a:r>
+              <a:rPr lang="de-DE" dirty="0"/>
+              <a:t> </a:t>
+            </a:r>
+            <a:r>
+              <a:rPr lang="de-DE" dirty="0" err="1"/>
+              <a:t>is</a:t>
+            </a:r>
+            <a:r>
+              <a:rPr lang="de-DE" dirty="0"/>
+              <a:t> client-</a:t>
+            </a:r>
+            <a:r>
+              <a:rPr lang="de-DE" dirty="0" err="1"/>
+              <a:t>side</a:t>
+            </a:r>
+            <a:r>
+              <a:rPr lang="de-DE" dirty="0"/>
+              <a:t> (</a:t>
+            </a:r>
+            <a:r>
+              <a:rPr lang="de-DE" dirty="0" err="1"/>
+              <a:t>rendering</a:t>
+            </a:r>
+            <a:r>
+              <a:rPr lang="de-DE" dirty="0"/>
+              <a:t>: </a:t>
+            </a:r>
+            <a:r>
+              <a:rPr lang="de-DE" dirty="0" err="1"/>
+              <a:t>discard</a:t>
+            </a:r>
+            <a:r>
+              <a:rPr lang="de-DE" dirty="0"/>
+              <a:t> </a:t>
+            </a:r>
+            <a:r>
+              <a:rPr lang="de-DE" dirty="0" err="1"/>
+              <a:t>pile</a:t>
+            </a:r>
+            <a:r>
+              <a:rPr lang="de-DE" dirty="0"/>
+              <a:t>)</a:t>
+            </a:r>
+          </a:p>
+        </p:txBody>
+      </p:sp>
+      <p:sp>
+        <p:nvSpPr>
+          <p:cNvPr id="4" name="Slide Number Placeholder 3"/>
+          <p:cNvSpPr>
+            <a:spLocks noGrp="1"/>
+          </p:cNvSpPr>
+          <p:nvPr>
+            <p:ph type="sldNum" sz="quarter" idx="5"/>
+          </p:nvPr>
+        </p:nvSpPr>
+        <p:spPr/>
+        <p:txBody>
+          <a:bodyPr/>
+          <a:lstStyle/>
+          <a:p>
+            <a:fld id="{A13CCBCD-00E9-FA4F-A306-637603F51D5E}" type="slidenum">
+              <a:rPr lang="de-DE" smtClean="0"/>
+              <a:t>3</a:t>
+            </a:fld>
+            <a:endParaRPr lang="de-DE"/>
+          </a:p>
+        </p:txBody>
+      </p:sp>
+    </p:spTree>
+    <p:extLst>
+      <p:ext uri="{BB962C8B-B14F-4D97-AF65-F5344CB8AC3E}">
+        <p14:creationId xmlns:p14="http://schemas.microsoft.com/office/powerpoint/2010/main" val="4099236888"/>
+      </p:ext>
+    </p:extLst>
+  </p:cSld>
+  <p:clrMapOvr>
+    <a:masterClrMapping/>
+  </p:clrMapOvr>
+</p:notes>
+</file>
+
+<file path=ppt/notesSlides/notesSlide3.xml><?xml version="1.0" encoding="utf-8"?>
+<p:notes xmlns:a="http://schemas.openxmlformats.org/drawingml/2006/main" xmlns:r="http://schemas.openxmlformats.org/officeDocument/2006/relationships" xmlns:p="http://schemas.openxmlformats.org/presentationml/2006/main">
+  <p:cSld>
+    <p:spTree>
+      <p:nvGrpSpPr>
+        <p:cNvPr id="1" name=""/>
+        <p:cNvGrpSpPr/>
+        <p:nvPr/>
+      </p:nvGrpSpPr>
+      <p:grpSpPr>
+        <a:xfrm>
+          <a:off x="0" y="0"/>
+          <a:ext cx="0" cy="0"/>
+          <a:chOff x="0" y="0"/>
+          <a:chExt cx="0" cy="0"/>
+        </a:xfrm>
+      </p:grpSpPr>
+      <p:sp>
+        <p:nvSpPr>
+          <p:cNvPr id="2" name="Slide Image Placeholder 1"/>
+          <p:cNvSpPr>
+            <a:spLocks noGrp="1" noRot="1" noChangeAspect="1"/>
+          </p:cNvSpPr>
+          <p:nvPr>
+            <p:ph type="sldImg"/>
+          </p:nvPr>
+        </p:nvSpPr>
+        <p:spPr/>
+      </p:sp>
+      <p:sp>
+        <p:nvSpPr>
+          <p:cNvPr id="3" name="Notes Placeholder 2"/>
+          <p:cNvSpPr>
+            <a:spLocks noGrp="1"/>
+          </p:cNvSpPr>
+          <p:nvPr>
+            <p:ph type="body" idx="1"/>
+          </p:nvPr>
+        </p:nvSpPr>
+        <p:spPr/>
+        <p:txBody>
+          <a:bodyPr/>
+          <a:lstStyle/>
+          <a:p>
+            <a:r>
               <a:rPr lang="de-DE" dirty="0" err="1"/>
               <a:t>Eventually</a:t>
             </a:r>
@@ -781,7 +944,87 @@
             </a:r>
             <a:r>
               <a:rPr lang="de-DE" dirty="0" err="1"/>
-              <a:t>that</a:t>
+              <a:t>than</a:t>
+            </a:r>
+            <a:r>
+              <a:rPr lang="de-DE" dirty="0"/>
+              <a:t> </a:t>
+            </a:r>
+            <a:r>
+              <a:rPr lang="de-DE" dirty="0" err="1"/>
+              <a:t>Panciera</a:t>
+            </a:r>
+            <a:r>
+              <a:rPr lang="de-DE" dirty="0"/>
+              <a:t> will </a:t>
+            </a:r>
+            <a:r>
+              <a:rPr lang="de-DE" dirty="0" err="1"/>
+              <a:t>be</a:t>
+            </a:r>
+            <a:r>
+              <a:rPr lang="de-DE" dirty="0"/>
+              <a:t> absent </a:t>
+            </a:r>
+            <a:r>
+              <a:rPr lang="de-DE" dirty="0" err="1"/>
+              <a:t>for</a:t>
+            </a:r>
+            <a:r>
+              <a:rPr lang="de-DE" dirty="0"/>
+              <a:t> </a:t>
+            </a:r>
+            <a:r>
+              <a:rPr lang="de-DE" dirty="0" err="1"/>
+              <a:t>three</a:t>
+            </a:r>
+            <a:r>
+              <a:rPr lang="de-DE" dirty="0"/>
+              <a:t> </a:t>
+            </a:r>
+            <a:r>
+              <a:rPr lang="de-DE" dirty="0" err="1"/>
+              <a:t>days</a:t>
+            </a:r>
+            <a:r>
+              <a:rPr lang="de-DE" dirty="0"/>
+              <a:t> </a:t>
+            </a:r>
+            <a:r>
+              <a:rPr lang="de-DE" dirty="0" err="1"/>
+              <a:t>because</a:t>
+            </a:r>
+            <a:r>
+              <a:rPr lang="de-DE" dirty="0"/>
+              <a:t> </a:t>
+            </a:r>
+            <a:r>
+              <a:rPr lang="de-DE" dirty="0" err="1"/>
+              <a:t>of</a:t>
+            </a:r>
+            <a:r>
+              <a:rPr lang="de-DE" dirty="0"/>
+              <a:t> </a:t>
+            </a:r>
+            <a:r>
+              <a:rPr lang="de-DE" dirty="0" err="1"/>
+              <a:t>civil</a:t>
+            </a:r>
+            <a:r>
+              <a:rPr lang="de-DE" dirty="0"/>
+              <a:t> </a:t>
+            </a:r>
+            <a:r>
+              <a:rPr lang="de-DE" dirty="0" err="1"/>
+              <a:t>service</a:t>
+            </a:r>
+            <a:r>
+              <a:rPr lang="de-DE" dirty="0"/>
+              <a:t>, </a:t>
+            </a:r>
+            <a:r>
+              <a:rPr lang="de-DE" dirty="0" err="1"/>
+              <a:t>which</a:t>
             </a:r>
             <a:r>
               <a:rPr lang="de-DE" dirty="0"/>
@@ -3982,15 +4225,7 @@
             </a:pPr>
             <a:r>
               <a:rPr lang="de-DE" sz="4000" dirty="0"/>
-              <a:t> </a:t>
-            </a:r>
-            <a:r>
-              <a:rPr lang="de-DE" sz="4000" dirty="0" err="1"/>
-              <a:t>backhand</a:t>
-            </a:r>
-            <a:r>
-              <a:rPr lang="de-DE" sz="4000" dirty="0"/>
-              <a:t> + </a:t>
+              <a:t> Back-end + </a:t>
             </a:r>
             <a:r>
               <a:rPr lang="de-DE" sz="4000" dirty="0" err="1"/>
@@ -4037,12 +4272,8 @@
               <a:buNone/>
             </a:pPr>
             <a:r>
-              <a:rPr lang="de-DE" sz="4000" dirty="0" err="1"/>
-              <a:t>frontend</a:t>
-            </a:r>
-            <a:r>
               <a:rPr lang="de-DE" sz="4000" dirty="0"/>
-              <a:t> +  Project </a:t>
+              <a:t>Front-end +  Project </a:t>
             </a:r>
             <a:r>
               <a:rPr lang="de-DE" sz="4000" dirty="0" err="1"/>
@@ -4097,7 +4328,7 @@
           <p:nvPr/>
         </p:nvPicPr>
         <p:blipFill>
-          <a:blip r:embed="rId2"/>
+          <a:blip r:embed="rId3"/>
           <a:stretch>
             <a:fillRect/>
           </a:stretch>
@@ -4222,20 +4453,17 @@
             </a:r>
             <a:r>
               <a:rPr lang="de-DE" dirty="0" err="1"/>
-              <a:t>folder</a:t>
-            </a:r>
-            <a:r>
-              <a:rPr lang="de-DE" dirty="0"/>
-              <a:t> </a:t>
-            </a:r>
-            <a:r>
-              <a:rPr lang="de-DE" dirty="0" err="1"/>
-              <a:t>and</a:t>
-            </a:r>
-            <a:r>
-              <a:rPr lang="de-DE" dirty="0"/>
-              <a:t> sub-folders</a:t>
-            </a:r>
+              <a:t>project</a:t>
+            </a:r>
+            <a:r>
+              <a:rPr lang="de-DE" dirty="0"/>
+              <a:t> </a:t>
+            </a:r>
+            <a:r>
+              <a:rPr lang="de-DE" dirty="0" err="1"/>
+              <a:t>structures</a:t>
+            </a:r>
+            <a:endParaRPr lang="de-DE" dirty="0"/>
           </a:p>
           <a:p>
             <a:r>

--- a/misc/presentations/Fluxx_Second_Presentation.pptx
+++ b/misc/presentations/Fluxx_Second_Presentation.pptx
@@ -516,86 +516,7 @@
           <a:bodyPr/>
           <a:lstStyle/>
           <a:p>
-            <a:r>
-              <a:rPr lang="de-DE" dirty="0" err="1"/>
-              <a:t>Jolly</a:t>
-            </a:r>
-            <a:r>
-              <a:rPr lang="de-DE" dirty="0"/>
-              <a:t>: </a:t>
-            </a:r>
-            <a:r>
-              <a:rPr lang="de-DE" dirty="0" err="1"/>
-              <a:t>specific</a:t>
-            </a:r>
-            <a:r>
-              <a:rPr lang="de-DE" dirty="0"/>
-              <a:t> </a:t>
-            </a:r>
-            <a:r>
-              <a:rPr lang="de-DE" dirty="0" err="1"/>
-              <a:t>task</a:t>
-            </a:r>
-            <a:r>
-              <a:rPr lang="de-DE" dirty="0"/>
-              <a:t> such </a:t>
-            </a:r>
-            <a:r>
-              <a:rPr lang="de-DE" dirty="0" err="1"/>
-              <a:t>as</a:t>
-            </a:r>
-            <a:r>
-              <a:rPr lang="de-DE" dirty="0"/>
-              <a:t> </a:t>
-            </a:r>
-            <a:r>
-              <a:rPr lang="de-DE" dirty="0" err="1"/>
-              <a:t>support</a:t>
-            </a:r>
-            <a:r>
-              <a:rPr lang="de-DE" dirty="0"/>
-              <a:t> </a:t>
-            </a:r>
-            <a:r>
-              <a:rPr lang="de-DE" dirty="0" err="1"/>
-              <a:t>with</a:t>
-            </a:r>
-            <a:r>
-              <a:rPr lang="de-DE" dirty="0"/>
-              <a:t> </a:t>
-            </a:r>
-            <a:r>
-              <a:rPr lang="de-DE" dirty="0" err="1"/>
-              <a:t>database</a:t>
-            </a:r>
-            <a:r>
-              <a:rPr lang="de-DE" dirty="0"/>
-              <a:t> </a:t>
-            </a:r>
-            <a:r>
-              <a:rPr lang="de-DE" dirty="0" err="1"/>
-              <a:t>setup</a:t>
-            </a:r>
-            <a:r>
-              <a:rPr lang="de-DE" dirty="0"/>
-              <a:t>, </a:t>
-            </a:r>
-            <a:r>
-              <a:rPr lang="de-DE" dirty="0" err="1"/>
-              <a:t>json</a:t>
-            </a:r>
-            <a:r>
-              <a:rPr lang="de-DE" dirty="0"/>
-              <a:t>, </a:t>
-            </a:r>
-            <a:r>
-              <a:rPr lang="de-DE" dirty="0" err="1"/>
-              <a:t>models</a:t>
-            </a:r>
-            <a:r>
-              <a:rPr lang="de-DE" dirty="0"/>
-              <a:t>…</a:t>
-            </a:r>
+            <a:endParaRPr lang="de-DE" dirty="0"/>
           </a:p>
         </p:txBody>
       </p:sp>
@@ -679,154 +600,7 @@
           <a:bodyPr/>
           <a:lstStyle/>
           <a:p>
-            <a:r>
-              <a:rPr lang="de-DE" dirty="0"/>
-              <a:t>Game design </a:t>
-            </a:r>
-            <a:r>
-              <a:rPr lang="de-DE" dirty="0" err="1"/>
-              <a:t>decisions</a:t>
-            </a:r>
-            <a:r>
-              <a:rPr lang="de-DE" dirty="0"/>
-              <a:t>: </a:t>
-            </a:r>
-            <a:r>
-              <a:rPr lang="de-DE" dirty="0" err="1"/>
-              <a:t>defined</a:t>
-            </a:r>
-            <a:r>
-              <a:rPr lang="de-DE" dirty="0"/>
-              <a:t> </a:t>
-            </a:r>
-            <a:r>
-              <a:rPr lang="de-DE" dirty="0" err="1"/>
-              <a:t>what</a:t>
-            </a:r>
-            <a:r>
-              <a:rPr lang="de-DE" dirty="0"/>
-              <a:t> </a:t>
-            </a:r>
-            <a:r>
-              <a:rPr lang="de-DE" dirty="0" err="1"/>
-              <a:t>is</a:t>
-            </a:r>
-            <a:r>
-              <a:rPr lang="de-DE" dirty="0"/>
-              <a:t> server-</a:t>
-            </a:r>
-            <a:r>
-              <a:rPr lang="de-DE" dirty="0" err="1"/>
-              <a:t>side</a:t>
-            </a:r>
-            <a:r>
-              <a:rPr lang="de-DE" dirty="0"/>
-              <a:t>  (</a:t>
-            </a:r>
-            <a:r>
-              <a:rPr lang="de-DE" dirty="0" err="1"/>
-              <a:t>computations:turns</a:t>
-            </a:r>
-            <a:r>
-              <a:rPr lang="de-DE" dirty="0"/>
-              <a:t>, </a:t>
-            </a:r>
-            <a:r>
-              <a:rPr lang="de-DE" dirty="0" err="1"/>
-              <a:t>draw</a:t>
-            </a:r>
-            <a:r>
-              <a:rPr lang="de-DE" dirty="0"/>
-              <a:t>, </a:t>
-            </a:r>
-            <a:r>
-              <a:rPr lang="de-DE" dirty="0" err="1"/>
-              <a:t>play</a:t>
-            </a:r>
-            <a:r>
-              <a:rPr lang="de-DE" dirty="0"/>
-              <a:t>, </a:t>
-            </a:r>
-            <a:r>
-              <a:rPr lang="de-DE" dirty="0" err="1"/>
-              <a:t>general</a:t>
-            </a:r>
-            <a:r>
-              <a:rPr lang="de-DE" dirty="0"/>
-              <a:t> </a:t>
-            </a:r>
-            <a:r>
-              <a:rPr lang="de-DE" dirty="0" err="1"/>
-              <a:t>game</a:t>
-            </a:r>
-            <a:r>
-              <a:rPr lang="de-DE" dirty="0"/>
-              <a:t> </a:t>
-            </a:r>
-            <a:r>
-              <a:rPr lang="de-DE" dirty="0" err="1"/>
-              <a:t>state</a:t>
-            </a:r>
-            <a:r>
-              <a:rPr lang="de-DE" dirty="0"/>
-              <a:t>) </a:t>
-            </a:r>
-            <a:r>
-              <a:rPr lang="de-DE" dirty="0" err="1"/>
-              <a:t>and</a:t>
-            </a:r>
-            <a:r>
-              <a:rPr lang="de-DE" dirty="0"/>
-              <a:t> </a:t>
-            </a:r>
-            <a:r>
-              <a:rPr lang="de-DE" dirty="0" err="1"/>
-              <a:t>what</a:t>
-            </a:r>
-            <a:r>
-              <a:rPr lang="de-DE" dirty="0"/>
-              <a:t> </a:t>
-            </a:r>
-            <a:r>
-              <a:rPr lang="de-DE" dirty="0" err="1"/>
-              <a:t>is</a:t>
-            </a:r>
-            <a:r>
-              <a:rPr lang="de-DE" dirty="0"/>
-              <a:t> client-</a:t>
-            </a:r>
-            <a:r>
-              <a:rPr lang="de-DE" dirty="0" err="1"/>
-              <a:t>side</a:t>
-            </a:r>
-            <a:r>
-              <a:rPr lang="de-DE" dirty="0"/>
-              <a:t> (</a:t>
-            </a:r>
-            <a:r>
-              <a:rPr lang="de-DE" dirty="0" err="1"/>
-              <a:t>rendering</a:t>
-            </a:r>
-            <a:r>
-              <a:rPr lang="de-DE" dirty="0"/>
-              <a:t>: </a:t>
-            </a:r>
-            <a:r>
-              <a:rPr lang="de-DE" dirty="0" err="1"/>
-              <a:t>discard</a:t>
-            </a:r>
-            <a:r>
-              <a:rPr lang="de-DE" dirty="0"/>
-              <a:t> </a:t>
-            </a:r>
-            <a:r>
-              <a:rPr lang="de-DE" dirty="0" err="1"/>
-              <a:t>pile</a:t>
-            </a:r>
-            <a:r>
-              <a:rPr lang="de-DE" dirty="0"/>
-              <a:t>)</a:t>
-            </a:r>
+            <a:endParaRPr lang="de-DE" dirty="0"/>
           </a:p>
         </p:txBody>
       </p:sp>
@@ -910,126 +684,7 @@
           <a:bodyPr/>
           <a:lstStyle/>
           <a:p>
-            <a:r>
-              <a:rPr lang="de-DE" dirty="0" err="1"/>
-              <a:t>Eventually</a:t>
-            </a:r>
-            <a:r>
-              <a:rPr lang="de-DE" dirty="0"/>
-              <a:t>, </a:t>
-            </a:r>
-            <a:r>
-              <a:rPr lang="de-DE" dirty="0" err="1"/>
-              <a:t>add</a:t>
-            </a:r>
-            <a:r>
-              <a:rPr lang="de-DE" dirty="0"/>
-              <a:t> log </a:t>
-            </a:r>
-            <a:r>
-              <a:rPr lang="de-DE" dirty="0" err="1"/>
-              <a:t>as</a:t>
-            </a:r>
-            <a:r>
-              <a:rPr lang="de-DE" dirty="0"/>
-              <a:t> </a:t>
-            </a:r>
-            <a:r>
-              <a:rPr lang="de-DE" dirty="0" err="1"/>
-              <a:t>well</a:t>
-            </a:r>
-            <a:r>
-              <a:rPr lang="de-DE" dirty="0"/>
-              <a:t>. Note </a:t>
-            </a:r>
-            <a:r>
-              <a:rPr lang="de-DE" dirty="0" err="1"/>
-              <a:t>than</a:t>
-            </a:r>
-            <a:r>
-              <a:rPr lang="de-DE" dirty="0"/>
-              <a:t> </a:t>
-            </a:r>
-            <a:r>
-              <a:rPr lang="de-DE" dirty="0" err="1"/>
-              <a:t>Panciera</a:t>
-            </a:r>
-            <a:r>
-              <a:rPr lang="de-DE" dirty="0"/>
-              <a:t> will </a:t>
-            </a:r>
-            <a:r>
-              <a:rPr lang="de-DE" dirty="0" err="1"/>
-              <a:t>be</a:t>
-            </a:r>
-            <a:r>
-              <a:rPr lang="de-DE" dirty="0"/>
-              <a:t> absent </a:t>
-            </a:r>
-            <a:r>
-              <a:rPr lang="de-DE" dirty="0" err="1"/>
-              <a:t>for</a:t>
-            </a:r>
-            <a:r>
-              <a:rPr lang="de-DE" dirty="0"/>
-              <a:t> </a:t>
-            </a:r>
-            <a:r>
-              <a:rPr lang="de-DE" dirty="0" err="1"/>
-              <a:t>three</a:t>
-            </a:r>
-            <a:r>
-              <a:rPr lang="de-DE" dirty="0"/>
-              <a:t> </a:t>
-            </a:r>
-            <a:r>
-              <a:rPr lang="de-DE" dirty="0" err="1"/>
-              <a:t>days</a:t>
-            </a:r>
-            <a:r>
-              <a:rPr lang="de-DE" dirty="0"/>
-              <a:t> </a:t>
-            </a:r>
-            <a:r>
-              <a:rPr lang="de-DE" dirty="0" err="1"/>
-              <a:t>because</a:t>
-            </a:r>
-            <a:r>
-              <a:rPr lang="de-DE" dirty="0"/>
-              <a:t> </a:t>
-            </a:r>
-            <a:r>
-              <a:rPr lang="de-DE" dirty="0" err="1"/>
-              <a:t>of</a:t>
-            </a:r>
-            <a:r>
-              <a:rPr lang="de-DE" dirty="0"/>
-              <a:t> </a:t>
-            </a:r>
-            <a:r>
-              <a:rPr lang="de-DE" dirty="0" err="1"/>
-              <a:t>civil</a:t>
-            </a:r>
-            <a:r>
-              <a:rPr lang="de-DE" dirty="0"/>
-              <a:t> </a:t>
-            </a:r>
-            <a:r>
-              <a:rPr lang="de-DE" dirty="0" err="1"/>
-              <a:t>service</a:t>
-            </a:r>
-            <a:r>
-              <a:rPr lang="de-DE" dirty="0"/>
-              <a:t>, </a:t>
-            </a:r>
-            <a:r>
-              <a:rPr lang="de-DE" dirty="0" err="1"/>
-              <a:t>which</a:t>
-            </a:r>
-            <a:r>
-              <a:rPr lang="de-DE" dirty="0"/>
-              <a:t> </a:t>
-            </a:r>
+            <a:endParaRPr lang="de-DE" dirty="0"/>
           </a:p>
         </p:txBody>
       </p:sp>
@@ -4860,7 +4515,15 @@
             </a:r>
             <a:r>
               <a:rPr lang="de-DE" dirty="0" err="1"/>
-              <a:t>scriptswith</a:t>
+              <a:t>scripts</a:t>
+            </a:r>
+            <a:r>
+              <a:rPr lang="de-DE" dirty="0"/>
+              <a:t> </a:t>
+            </a:r>
+            <a:r>
+              <a:rPr lang="de-DE" dirty="0" err="1"/>
+              <a:t>with</a:t>
             </a:r>
             <a:r>
               <a:rPr lang="de-DE" dirty="0"/>
